--- a/Cours/6-Introduction-BlockChain/Version-Final-Presentation-PNUD.pptx
+++ b/Cours/6-Introduction-BlockChain/Version-Final-Presentation-PNUD.pptx
@@ -10,8 +10,8 @@
   <p:sldIdLst>
     <p:sldId id="276" r:id="rId2"/>
     <p:sldId id="287" r:id="rId3"/>
-    <p:sldId id="288" r:id="rId4"/>
-    <p:sldId id="277" r:id="rId5"/>
+    <p:sldId id="277" r:id="rId4"/>
+    <p:sldId id="288" r:id="rId5"/>
     <p:sldId id="289" r:id="rId6"/>
     <p:sldId id="290" r:id="rId7"/>
     <p:sldId id="259" r:id="rId8"/>
@@ -551,6 +551,37 @@
           <a:bodyPr/>
           <a:lstStyle/>
           <a:p>
+            <a:pPr marL="0" marR="0" lvl="0" indent="0" algn="l" defTabSz="914400" rtl="0" eaLnBrk="1" fontAlgn="auto" latinLnBrk="0" hangingPunct="1">
+              <a:lnSpc>
+                <a:spcPct val="100000"/>
+              </a:lnSpc>
+              <a:spcBef>
+                <a:spcPts val="0"/>
+              </a:spcBef>
+              <a:spcAft>
+                <a:spcPts val="0"/>
+              </a:spcAft>
+              <a:buClrTx/>
+              <a:buSzTx/>
+              <a:buFontTx/>
+              <a:buNone/>
+              <a:tabLst/>
+              <a:defRPr/>
+            </a:pPr>
+            <a:r>
+              <a:rPr lang="fr-FR" sz="1200" b="1" spc="516" dirty="0">
+                <a:solidFill>
+                  <a:srgbClr val="000000"/>
+                </a:solidFill>
+                <a:latin typeface="Ubuntu Sans" pitchFamily="2" charset="0"/>
+                <a:ea typeface="Codec Pro ExtraBold"/>
+                <a:cs typeface="Codec Pro ExtraBold"/>
+                <a:sym typeface="Codec Pro ExtraBold"/>
+              </a:rPr>
+              <a:t>Dans un contexte où la gestion des données de santé est complexe et vulnérable aux fraudes, les systèmes actuels manquent de transparence et d'efficacité, exposant les patients à des risques, notamment la contrefaçon des médicaments. Cette dernière est particulièrement préoccupante dans les pays en développement, où environ 10 % des médicaments sont contrefaits. La blockchain, avec son registre distribué et infalsifiable, pourrait révolutionner le suivi des médicaments, renforçant ainsi la sécurité et la confiance des patients grâce à une meilleure traçabilité et à l'automatisation des vérifications de conformité. Notre étude explore ces avantages et les défis actuels du système.</a:t>
+            </a:r>
+          </a:p>
+          <a:p>
             <a:endParaRPr lang="LID4096" dirty="0"/>
           </a:p>
         </p:txBody>
@@ -572,7 +603,7 @@
           <a:p>
             <a:fld id="{0A1A0E29-9DCE-4C0D-B7A6-CCE970C64770}" type="slidenum">
               <a:rPr lang="LID4096" smtClean="0"/>
-              <a:t>7</a:t>
+              <a:t>3</a:t>
             </a:fld>
             <a:endParaRPr lang="LID4096"/>
           </a:p>
@@ -581,7 +612,7 @@
     </p:spTree>
     <p:extLst>
       <p:ext uri="{BB962C8B-B14F-4D97-AF65-F5344CB8AC3E}">
-        <p14:creationId xmlns:p14="http://schemas.microsoft.com/office/powerpoint/2010/main" val="3185711414"/>
+        <p14:creationId xmlns:p14="http://schemas.microsoft.com/office/powerpoint/2010/main" val="2116767660"/>
       </p:ext>
     </p:extLst>
   </p:cSld>
@@ -656,6 +687,90 @@
           <a:p>
             <a:fld id="{0A1A0E29-9DCE-4C0D-B7A6-CCE970C64770}" type="slidenum">
               <a:rPr lang="LID4096" smtClean="0"/>
+              <a:t>7</a:t>
+            </a:fld>
+            <a:endParaRPr lang="LID4096"/>
+          </a:p>
+        </p:txBody>
+      </p:sp>
+    </p:spTree>
+    <p:extLst>
+      <p:ext uri="{BB962C8B-B14F-4D97-AF65-F5344CB8AC3E}">
+        <p14:creationId xmlns:p14="http://schemas.microsoft.com/office/powerpoint/2010/main" val="3185711414"/>
+      </p:ext>
+    </p:extLst>
+  </p:cSld>
+  <p:clrMapOvr>
+    <a:masterClrMapping/>
+  </p:clrMapOvr>
+</p:notes>
+</file>
+
+<file path=ppt/notesSlides/notesSlide3.xml><?xml version="1.0" encoding="utf-8"?>
+<p:notes xmlns:a="http://schemas.openxmlformats.org/drawingml/2006/main" xmlns:r="http://schemas.openxmlformats.org/officeDocument/2006/relationships" xmlns:p="http://schemas.openxmlformats.org/presentationml/2006/main">
+  <p:cSld>
+    <p:spTree>
+      <p:nvGrpSpPr>
+        <p:cNvPr id="1" name=""/>
+        <p:cNvGrpSpPr/>
+        <p:nvPr/>
+      </p:nvGrpSpPr>
+      <p:grpSpPr>
+        <a:xfrm>
+          <a:off x="0" y="0"/>
+          <a:ext cx="0" cy="0"/>
+          <a:chOff x="0" y="0"/>
+          <a:chExt cx="0" cy="0"/>
+        </a:xfrm>
+      </p:grpSpPr>
+      <p:sp>
+        <p:nvSpPr>
+          <p:cNvPr id="2" name="Espace réservé de l'image des diapositives 1"/>
+          <p:cNvSpPr>
+            <a:spLocks noGrp="1" noRot="1" noChangeAspect="1"/>
+          </p:cNvSpPr>
+          <p:nvPr>
+            <p:ph type="sldImg"/>
+          </p:nvPr>
+        </p:nvSpPr>
+        <p:spPr/>
+      </p:sp>
+      <p:sp>
+        <p:nvSpPr>
+          <p:cNvPr id="3" name="Espace réservé des notes 2"/>
+          <p:cNvSpPr>
+            <a:spLocks noGrp="1"/>
+          </p:cNvSpPr>
+          <p:nvPr>
+            <p:ph type="body" idx="1"/>
+          </p:nvPr>
+        </p:nvSpPr>
+        <p:spPr/>
+        <p:txBody>
+          <a:bodyPr/>
+          <a:lstStyle/>
+          <a:p>
+            <a:endParaRPr lang="LID4096" dirty="0"/>
+          </a:p>
+        </p:txBody>
+      </p:sp>
+      <p:sp>
+        <p:nvSpPr>
+          <p:cNvPr id="4" name="Espace réservé du numéro de diapositive 3"/>
+          <p:cNvSpPr>
+            <a:spLocks noGrp="1"/>
+          </p:cNvSpPr>
+          <p:nvPr>
+            <p:ph type="sldNum" sz="quarter" idx="5"/>
+          </p:nvPr>
+        </p:nvSpPr>
+        <p:spPr/>
+        <p:txBody>
+          <a:bodyPr/>
+          <a:lstStyle/>
+          <a:p>
+            <a:fld id="{0A1A0E29-9DCE-4C0D-B7A6-CCE970C64770}" type="slidenum">
+              <a:rPr lang="LID4096" smtClean="0"/>
               <a:t>12</a:t>
             </a:fld>
             <a:endParaRPr lang="LID4096"/>
@@ -675,7 +790,7 @@
 </p:notes>
 </file>
 
-<file path=ppt/notesSlides/notesSlide3.xml><?xml version="1.0" encoding="utf-8"?>
+<file path=ppt/notesSlides/notesSlide4.xml><?xml version="1.0" encoding="utf-8"?>
 <p:notes xmlns:a="http://schemas.openxmlformats.org/drawingml/2006/main" xmlns:r="http://schemas.openxmlformats.org/officeDocument/2006/relationships" xmlns:p="http://schemas.openxmlformats.org/presentationml/2006/main">
   <p:cSld>
     <p:spTree>
@@ -783,7 +898,7 @@
 </p:notes>
 </file>
 
-<file path=ppt/notesSlides/notesSlide4.xml><?xml version="1.0" encoding="utf-8"?>
+<file path=ppt/notesSlides/notesSlide5.xml><?xml version="1.0" encoding="utf-8"?>
 <p:notes xmlns:a="http://schemas.openxmlformats.org/drawingml/2006/main" xmlns:r="http://schemas.openxmlformats.org/officeDocument/2006/relationships" xmlns:p="http://schemas.openxmlformats.org/presentationml/2006/main">
   <p:cSld>
     <p:spTree>
@@ -30442,6 +30557,543 @@
 <file path=ppt/slides/slide3.xml><?xml version="1.0" encoding="utf-8"?>
 <p:sld xmlns:a="http://schemas.openxmlformats.org/drawingml/2006/main" xmlns:r="http://schemas.openxmlformats.org/officeDocument/2006/relationships" xmlns:p="http://schemas.openxmlformats.org/presentationml/2006/main">
   <p:cSld>
+    <p:bg>
+      <p:bgPr>
+        <a:solidFill>
+          <a:srgbClr val="FEFFFF"/>
+        </a:solidFill>
+        <a:effectLst/>
+      </p:bgPr>
+    </p:bg>
+    <p:spTree>
+      <p:nvGrpSpPr>
+        <p:cNvPr id="1" name="">
+          <a:extLst>
+            <a:ext uri="{FF2B5EF4-FFF2-40B4-BE49-F238E27FC236}">
+              <a16:creationId xmlns:a16="http://schemas.microsoft.com/office/drawing/2014/main" id="{13559D99-645C-525F-03CD-56780B07D4A0}"/>
+            </a:ext>
+          </a:extLst>
+        </p:cNvPr>
+        <p:cNvGrpSpPr/>
+        <p:nvPr/>
+      </p:nvGrpSpPr>
+      <p:grpSpPr>
+        <a:xfrm>
+          <a:off x="0" y="0"/>
+          <a:ext cx="0" cy="0"/>
+          <a:chOff x="0" y="0"/>
+          <a:chExt cx="0" cy="0"/>
+        </a:xfrm>
+      </p:grpSpPr>
+      <p:sp>
+        <p:nvSpPr>
+          <p:cNvPr id="9" name="TextBox 9">
+            <a:extLst>
+              <a:ext uri="{FF2B5EF4-FFF2-40B4-BE49-F238E27FC236}">
+                <a16:creationId xmlns:a16="http://schemas.microsoft.com/office/drawing/2014/main" id="{5A1E4FA4-E145-DBA1-D8D3-2E43DB13ADA0}"/>
+              </a:ext>
+            </a:extLst>
+          </p:cNvPr>
+          <p:cNvSpPr txBox="1"/>
+          <p:nvPr/>
+        </p:nvSpPr>
+        <p:spPr>
+          <a:xfrm>
+            <a:off x="6858000" y="513298"/>
+            <a:ext cx="3798896" cy="654025"/>
+          </a:xfrm>
+          <a:prstGeom prst="rect">
+            <a:avLst/>
+          </a:prstGeom>
+        </p:spPr>
+        <p:txBody>
+          <a:bodyPr wrap="square" lIns="0" tIns="0" rIns="0" bIns="0" rtlCol="0" anchor="t">
+            <a:spAutoFit/>
+          </a:bodyPr>
+          <a:lstStyle/>
+          <a:p>
+            <a:pPr algn="l">
+              <a:lnSpc>
+                <a:spcPts val="5076"/>
+              </a:lnSpc>
+            </a:pPr>
+            <a:r>
+              <a:rPr lang="en-US" sz="4800" b="1" spc="287" dirty="0">
+                <a:solidFill>
+                  <a:srgbClr val="0068B3"/>
+                </a:solidFill>
+                <a:latin typeface="Ubuntu Sans" pitchFamily="2" charset="0"/>
+                <a:ea typeface="Codec Pro ExtraBold"/>
+                <a:cs typeface="Codec Pro ExtraBold"/>
+                <a:sym typeface="Codec Pro ExtraBold"/>
+              </a:rPr>
+              <a:t>CONTEXTE </a:t>
+            </a:r>
+          </a:p>
+        </p:txBody>
+      </p:sp>
+      <p:pic>
+        <p:nvPicPr>
+          <p:cNvPr id="15" name="Image 14">
+            <a:extLst>
+              <a:ext uri="{FF2B5EF4-FFF2-40B4-BE49-F238E27FC236}">
+                <a16:creationId xmlns:a16="http://schemas.microsoft.com/office/drawing/2014/main" id="{F9220C60-A6A8-3EC8-E389-CC3318DE8F18}"/>
+              </a:ext>
+            </a:extLst>
+          </p:cNvPr>
+          <p:cNvPicPr>
+            <a:picLocks noChangeAspect="1"/>
+          </p:cNvPicPr>
+          <p:nvPr/>
+        </p:nvPicPr>
+        <p:blipFill>
+          <a:blip r:embed="rId3">
+            <a:extLst>
+              <a:ext uri="{28A0092B-C50C-407E-A947-70E740481C1C}">
+                <a14:useLocalDpi xmlns:a14="http://schemas.microsoft.com/office/drawing/2010/main" val="0"/>
+              </a:ext>
+            </a:extLst>
+          </a:blip>
+          <a:stretch>
+            <a:fillRect/>
+          </a:stretch>
+        </p:blipFill>
+        <p:spPr>
+          <a:xfrm rot="9029442">
+            <a:off x="-3722724" y="-3303624"/>
+            <a:ext cx="5521301" cy="5521301"/>
+          </a:xfrm>
+          <a:prstGeom prst="rect">
+            <a:avLst/>
+          </a:prstGeom>
+        </p:spPr>
+      </p:pic>
+      <p:pic>
+        <p:nvPicPr>
+          <p:cNvPr id="3" name="Image 2">
+            <a:extLst>
+              <a:ext uri="{FF2B5EF4-FFF2-40B4-BE49-F238E27FC236}">
+                <a16:creationId xmlns:a16="http://schemas.microsoft.com/office/drawing/2014/main" id="{10C99DB3-85CE-6383-3782-1778198EAFEA}"/>
+              </a:ext>
+            </a:extLst>
+          </p:cNvPr>
+          <p:cNvPicPr>
+            <a:picLocks noChangeAspect="1"/>
+          </p:cNvPicPr>
+          <p:nvPr/>
+        </p:nvPicPr>
+        <p:blipFill>
+          <a:blip r:embed="rId4">
+            <a:extLst>
+              <a:ext uri="{28A0092B-C50C-407E-A947-70E740481C1C}">
+                <a14:useLocalDpi xmlns:a14="http://schemas.microsoft.com/office/drawing/2010/main" val="0"/>
+              </a:ext>
+            </a:extLst>
+          </a:blip>
+          <a:srcRect l="15068" r="18446"/>
+          <a:stretch/>
+        </p:blipFill>
+        <p:spPr>
+          <a:xfrm>
+            <a:off x="457201" y="1593761"/>
+            <a:ext cx="7396668" cy="6429375"/>
+          </a:xfrm>
+          <a:prstGeom prst="roundRect">
+            <a:avLst/>
+          </a:prstGeom>
+        </p:spPr>
+      </p:pic>
+      <p:sp>
+        <p:nvSpPr>
+          <p:cNvPr id="4" name="Rectangle : coins arrondis 3">
+            <a:extLst>
+              <a:ext uri="{FF2B5EF4-FFF2-40B4-BE49-F238E27FC236}">
+                <a16:creationId xmlns:a16="http://schemas.microsoft.com/office/drawing/2014/main" id="{659BCCDD-E826-FAAE-D57D-9CB5F23AC54B}"/>
+              </a:ext>
+            </a:extLst>
+          </p:cNvPr>
+          <p:cNvSpPr/>
+          <p:nvPr/>
+        </p:nvSpPr>
+        <p:spPr>
+          <a:xfrm>
+            <a:off x="8423815" y="1709875"/>
+            <a:ext cx="3697253" cy="670105"/>
+          </a:xfrm>
+          <a:prstGeom prst="roundRect">
+            <a:avLst/>
+          </a:prstGeom>
+          <a:solidFill>
+            <a:srgbClr val="0068B3"/>
+          </a:solidFill>
+          <a:ln>
+            <a:solidFill>
+              <a:schemeClr val="accent1"/>
+            </a:solidFill>
+          </a:ln>
+        </p:spPr>
+        <p:style>
+          <a:lnRef idx="2">
+            <a:schemeClr val="accent1">
+              <a:shade val="15000"/>
+            </a:schemeClr>
+          </a:lnRef>
+          <a:fillRef idx="1">
+            <a:schemeClr val="accent1"/>
+          </a:fillRef>
+          <a:effectRef idx="0">
+            <a:schemeClr val="accent1"/>
+          </a:effectRef>
+          <a:fontRef idx="minor">
+            <a:schemeClr val="lt1"/>
+          </a:fontRef>
+        </p:style>
+        <p:txBody>
+          <a:bodyPr rtlCol="0" anchor="ctr"/>
+          <a:lstStyle/>
+          <a:p>
+            <a:pPr algn="ctr"/>
+            <a:r>
+              <a:rPr lang="fr-FR" b="1" dirty="0">
+                <a:latin typeface="Ubuntu Sans" pitchFamily="2" charset="0"/>
+              </a:rPr>
+              <a:t>Complexité de la gestion des données de santé</a:t>
+            </a:r>
+            <a:endParaRPr lang="LID4096" b="1" dirty="0">
+              <a:latin typeface="Ubuntu Sans" pitchFamily="2" charset="0"/>
+            </a:endParaRPr>
+          </a:p>
+        </p:txBody>
+      </p:sp>
+      <p:sp>
+        <p:nvSpPr>
+          <p:cNvPr id="5" name="Rectangle : coins arrondis 4">
+            <a:extLst>
+              <a:ext uri="{FF2B5EF4-FFF2-40B4-BE49-F238E27FC236}">
+                <a16:creationId xmlns:a16="http://schemas.microsoft.com/office/drawing/2014/main" id="{28E738F9-651C-A08F-76BF-E27C65511385}"/>
+              </a:ext>
+            </a:extLst>
+          </p:cNvPr>
+          <p:cNvSpPr/>
+          <p:nvPr/>
+        </p:nvSpPr>
+        <p:spPr>
+          <a:xfrm>
+            <a:off x="12691014" y="1687015"/>
+            <a:ext cx="3909373" cy="654025"/>
+          </a:xfrm>
+          <a:prstGeom prst="roundRect">
+            <a:avLst/>
+          </a:prstGeom>
+          <a:solidFill>
+            <a:srgbClr val="0068B3"/>
+          </a:solidFill>
+          <a:ln>
+            <a:solidFill>
+              <a:schemeClr val="accent1"/>
+            </a:solidFill>
+          </a:ln>
+        </p:spPr>
+        <p:style>
+          <a:lnRef idx="2">
+            <a:schemeClr val="accent1">
+              <a:shade val="15000"/>
+            </a:schemeClr>
+          </a:lnRef>
+          <a:fillRef idx="1">
+            <a:schemeClr val="accent1"/>
+          </a:fillRef>
+          <a:effectRef idx="0">
+            <a:schemeClr val="accent1"/>
+          </a:effectRef>
+          <a:fontRef idx="minor">
+            <a:schemeClr val="lt1"/>
+          </a:fontRef>
+        </p:style>
+        <p:txBody>
+          <a:bodyPr rtlCol="0" anchor="ctr"/>
+          <a:lstStyle/>
+          <a:p>
+            <a:pPr algn="ctr"/>
+            <a:r>
+              <a:rPr lang="fr-FR" b="1" dirty="0">
+                <a:latin typeface="Ubuntu Sans" pitchFamily="2" charset="0"/>
+              </a:rPr>
+              <a:t>Risques pour les patients</a:t>
+            </a:r>
+            <a:endParaRPr lang="LID4096" b="1" dirty="0">
+              <a:latin typeface="Ubuntu Sans" pitchFamily="2" charset="0"/>
+            </a:endParaRPr>
+          </a:p>
+        </p:txBody>
+      </p:sp>
+      <p:sp>
+        <p:nvSpPr>
+          <p:cNvPr id="6" name="Rectangle : coins arrondis 5">
+            <a:extLst>
+              <a:ext uri="{FF2B5EF4-FFF2-40B4-BE49-F238E27FC236}">
+                <a16:creationId xmlns:a16="http://schemas.microsoft.com/office/drawing/2014/main" id="{E3B0A388-4DAA-0CC0-3FA5-12CFFD9918E8}"/>
+              </a:ext>
+            </a:extLst>
+          </p:cNvPr>
+          <p:cNvSpPr/>
+          <p:nvPr/>
+        </p:nvSpPr>
+        <p:spPr>
+          <a:xfrm>
+            <a:off x="8463701" y="2922532"/>
+            <a:ext cx="3676744" cy="840271"/>
+          </a:xfrm>
+          <a:prstGeom prst="roundRect">
+            <a:avLst/>
+          </a:prstGeom>
+          <a:solidFill>
+            <a:srgbClr val="0068B3"/>
+          </a:solidFill>
+          <a:ln>
+            <a:solidFill>
+              <a:schemeClr val="accent1"/>
+            </a:solidFill>
+          </a:ln>
+        </p:spPr>
+        <p:style>
+          <a:lnRef idx="2">
+            <a:schemeClr val="accent1">
+              <a:shade val="15000"/>
+            </a:schemeClr>
+          </a:lnRef>
+          <a:fillRef idx="1">
+            <a:schemeClr val="accent1"/>
+          </a:fillRef>
+          <a:effectRef idx="0">
+            <a:schemeClr val="accent1"/>
+          </a:effectRef>
+          <a:fontRef idx="minor">
+            <a:schemeClr val="lt1"/>
+          </a:fontRef>
+        </p:style>
+        <p:txBody>
+          <a:bodyPr rtlCol="0" anchor="ctr"/>
+          <a:lstStyle/>
+          <a:p>
+            <a:pPr algn="ctr"/>
+            <a:r>
+              <a:rPr lang="fr-FR" b="1" dirty="0">
+                <a:latin typeface="Ubuntu Sans" pitchFamily="2" charset="0"/>
+              </a:rPr>
+              <a:t>Importance de la traçabilité</a:t>
+            </a:r>
+            <a:endParaRPr lang="LID4096" b="1" dirty="0">
+              <a:latin typeface="Ubuntu Sans" pitchFamily="2" charset="0"/>
+            </a:endParaRPr>
+          </a:p>
+        </p:txBody>
+      </p:sp>
+      <p:sp>
+        <p:nvSpPr>
+          <p:cNvPr id="2" name="Rectangle : coins arrondis 1">
+            <a:extLst>
+              <a:ext uri="{FF2B5EF4-FFF2-40B4-BE49-F238E27FC236}">
+                <a16:creationId xmlns:a16="http://schemas.microsoft.com/office/drawing/2014/main" id="{C576AC96-C925-9350-4F3C-4A48C2ED328C}"/>
+              </a:ext>
+            </a:extLst>
+          </p:cNvPr>
+          <p:cNvSpPr/>
+          <p:nvPr/>
+        </p:nvSpPr>
+        <p:spPr>
+          <a:xfrm>
+            <a:off x="12711525" y="2922531"/>
+            <a:ext cx="3888862" cy="840271"/>
+          </a:xfrm>
+          <a:prstGeom prst="roundRect">
+            <a:avLst/>
+          </a:prstGeom>
+          <a:solidFill>
+            <a:srgbClr val="0068B3"/>
+          </a:solidFill>
+          <a:ln>
+            <a:solidFill>
+              <a:schemeClr val="accent1"/>
+            </a:solidFill>
+          </a:ln>
+        </p:spPr>
+        <p:style>
+          <a:lnRef idx="2">
+            <a:schemeClr val="accent1">
+              <a:shade val="15000"/>
+            </a:schemeClr>
+          </a:lnRef>
+          <a:fillRef idx="1">
+            <a:schemeClr val="accent1"/>
+          </a:fillRef>
+          <a:effectRef idx="0">
+            <a:schemeClr val="accent1"/>
+          </a:effectRef>
+          <a:fontRef idx="minor">
+            <a:schemeClr val="lt1"/>
+          </a:fontRef>
+        </p:style>
+        <p:txBody>
+          <a:bodyPr rtlCol="0" anchor="ctr"/>
+          <a:lstStyle/>
+          <a:p>
+            <a:pPr algn="ctr"/>
+            <a:r>
+              <a:rPr lang="fr-FR" b="1" dirty="0">
+                <a:latin typeface="Ubuntu Sans" pitchFamily="2" charset="0"/>
+              </a:rPr>
+              <a:t>Potentiel de la blockchain</a:t>
+            </a:r>
+            <a:endParaRPr lang="LID4096" b="1" dirty="0">
+              <a:latin typeface="Ubuntu Sans" pitchFamily="2" charset="0"/>
+            </a:endParaRPr>
+          </a:p>
+        </p:txBody>
+      </p:sp>
+      <p:sp>
+        <p:nvSpPr>
+          <p:cNvPr id="7" name="Rectangle : coins arrondis 6">
+            <a:extLst>
+              <a:ext uri="{FF2B5EF4-FFF2-40B4-BE49-F238E27FC236}">
+                <a16:creationId xmlns:a16="http://schemas.microsoft.com/office/drawing/2014/main" id="{FF0F0A32-CB07-2393-6F86-1D5C2C9294B7}"/>
+              </a:ext>
+            </a:extLst>
+          </p:cNvPr>
+          <p:cNvSpPr/>
+          <p:nvPr/>
+        </p:nvSpPr>
+        <p:spPr>
+          <a:xfrm>
+            <a:off x="3944495" y="9107355"/>
+            <a:ext cx="3909373" cy="691794"/>
+          </a:xfrm>
+          <a:prstGeom prst="roundRect">
+            <a:avLst/>
+          </a:prstGeom>
+          <a:solidFill>
+            <a:srgbClr val="0068B3"/>
+          </a:solidFill>
+          <a:ln>
+            <a:solidFill>
+              <a:schemeClr val="accent1"/>
+            </a:solidFill>
+          </a:ln>
+        </p:spPr>
+        <p:style>
+          <a:lnRef idx="2">
+            <a:schemeClr val="accent1">
+              <a:shade val="15000"/>
+            </a:schemeClr>
+          </a:lnRef>
+          <a:fillRef idx="1">
+            <a:schemeClr val="accent1"/>
+          </a:fillRef>
+          <a:effectRef idx="0">
+            <a:schemeClr val="accent1"/>
+          </a:effectRef>
+          <a:fontRef idx="minor">
+            <a:schemeClr val="lt1"/>
+          </a:fontRef>
+        </p:style>
+        <p:txBody>
+          <a:bodyPr rtlCol="0" anchor="ctr"/>
+          <a:lstStyle/>
+          <a:p>
+            <a:pPr algn="ctr"/>
+            <a:r>
+              <a:rPr lang="fr-FR" b="1" dirty="0">
+                <a:latin typeface="Ubuntu Sans" pitchFamily="2" charset="0"/>
+              </a:rPr>
+              <a:t>Octobre</a:t>
+            </a:r>
+            <a:endParaRPr lang="LID4096" b="1" dirty="0">
+              <a:latin typeface="Ubuntu Sans" pitchFamily="2" charset="0"/>
+            </a:endParaRPr>
+          </a:p>
+        </p:txBody>
+      </p:sp>
+      <p:sp>
+        <p:nvSpPr>
+          <p:cNvPr id="8" name="Rectangle : coins arrondis 7">
+            <a:extLst>
+              <a:ext uri="{FF2B5EF4-FFF2-40B4-BE49-F238E27FC236}">
+                <a16:creationId xmlns:a16="http://schemas.microsoft.com/office/drawing/2014/main" id="{B559998B-75D2-594B-6169-C6E789805B8C}"/>
+              </a:ext>
+            </a:extLst>
+          </p:cNvPr>
+          <p:cNvSpPr/>
+          <p:nvPr/>
+        </p:nvSpPr>
+        <p:spPr>
+          <a:xfrm>
+            <a:off x="8059293" y="9443145"/>
+            <a:ext cx="2842576" cy="356003"/>
+          </a:xfrm>
+          <a:prstGeom prst="roundRect">
+            <a:avLst/>
+          </a:prstGeom>
+          <a:solidFill>
+            <a:srgbClr val="0068B3"/>
+          </a:solidFill>
+          <a:ln>
+            <a:solidFill>
+              <a:schemeClr val="accent1"/>
+            </a:solidFill>
+          </a:ln>
+        </p:spPr>
+        <p:style>
+          <a:lnRef idx="2">
+            <a:schemeClr val="accent1">
+              <a:shade val="15000"/>
+            </a:schemeClr>
+          </a:lnRef>
+          <a:fillRef idx="1">
+            <a:schemeClr val="accent1"/>
+          </a:fillRef>
+          <a:effectRef idx="0">
+            <a:schemeClr val="accent1"/>
+          </a:effectRef>
+          <a:fontRef idx="minor">
+            <a:schemeClr val="lt1"/>
+          </a:fontRef>
+        </p:style>
+        <p:txBody>
+          <a:bodyPr rtlCol="0" anchor="ctr"/>
+          <a:lstStyle/>
+          <a:p>
+            <a:pPr algn="ctr"/>
+            <a:r>
+              <a:rPr lang="fr-FR" b="1" dirty="0">
+                <a:latin typeface="Ubuntu Sans" pitchFamily="2" charset="0"/>
+              </a:rPr>
+              <a:t>Novembre</a:t>
+            </a:r>
+            <a:endParaRPr lang="LID4096" b="1" dirty="0">
+              <a:latin typeface="Ubuntu Sans" pitchFamily="2" charset="0"/>
+            </a:endParaRPr>
+          </a:p>
+        </p:txBody>
+      </p:sp>
+    </p:spTree>
+    <p:extLst>
+      <p:ext uri="{BB962C8B-B14F-4D97-AF65-F5344CB8AC3E}">
+        <p14:creationId xmlns:p14="http://schemas.microsoft.com/office/powerpoint/2010/main" val="4248963214"/>
+      </p:ext>
+    </p:extLst>
+  </p:cSld>
+  <p:clrMapOvr>
+    <a:masterClrMapping/>
+  </p:clrMapOvr>
+  <p:transition spd="med">
+    <p:pull/>
+  </p:transition>
+</p:sld>
+</file>
+
+<file path=ppt/slides/slide4.xml><?xml version="1.0" encoding="utf-8"?>
+<p:sld xmlns:a="http://schemas.openxmlformats.org/drawingml/2006/main" xmlns:r="http://schemas.openxmlformats.org/officeDocument/2006/relationships" xmlns:p="http://schemas.openxmlformats.org/presentationml/2006/main">
+  <p:cSld>
     <p:spTree>
       <p:nvGrpSpPr>
         <p:cNvPr id="1" name="">
@@ -30741,416 +31393,18 @@
   <p:clrMapOvr>
     <a:masterClrMapping/>
   </p:clrMapOvr>
-  <mc:AlternateContent xmlns:mc="http://schemas.openxmlformats.org/markup-compatibility/2006">
-    <mc:Choice xmlns:p14="http://schemas.microsoft.com/office/powerpoint/2010/main" Requires="p14">
+  <mc:AlternateContent xmlns:mc="http://schemas.openxmlformats.org/markup-compatibility/2006" xmlns:p14="http://schemas.microsoft.com/office/powerpoint/2010/main">
+    <mc:Choice Requires="p14">
       <p:transition spd="slow" p14:dur="800">
         <p:circle/>
       </p:transition>
     </mc:Choice>
-    <mc:Fallback>
+    <mc:Fallback xmlns="">
       <p:transition spd="slow">
         <p:circle/>
       </p:transition>
     </mc:Fallback>
   </mc:AlternateContent>
-</p:sld>
-</file>
-
-<file path=ppt/slides/slide4.xml><?xml version="1.0" encoding="utf-8"?>
-<p:sld xmlns:a="http://schemas.openxmlformats.org/drawingml/2006/main" xmlns:r="http://schemas.openxmlformats.org/officeDocument/2006/relationships" xmlns:p="http://schemas.openxmlformats.org/presentationml/2006/main">
-  <p:cSld>
-    <p:bg>
-      <p:bgPr>
-        <a:solidFill>
-          <a:srgbClr val="FEFFFF"/>
-        </a:solidFill>
-        <a:effectLst/>
-      </p:bgPr>
-    </p:bg>
-    <p:spTree>
-      <p:nvGrpSpPr>
-        <p:cNvPr id="1" name="">
-          <a:extLst>
-            <a:ext uri="{FF2B5EF4-FFF2-40B4-BE49-F238E27FC236}">
-              <a16:creationId xmlns:a16="http://schemas.microsoft.com/office/drawing/2014/main" id="{13559D99-645C-525F-03CD-56780B07D4A0}"/>
-            </a:ext>
-          </a:extLst>
-        </p:cNvPr>
-        <p:cNvGrpSpPr/>
-        <p:nvPr/>
-      </p:nvGrpSpPr>
-      <p:grpSpPr>
-        <a:xfrm>
-          <a:off x="0" y="0"/>
-          <a:ext cx="0" cy="0"/>
-          <a:chOff x="0" y="0"/>
-          <a:chExt cx="0" cy="0"/>
-        </a:xfrm>
-      </p:grpSpPr>
-      <p:sp>
-        <p:nvSpPr>
-          <p:cNvPr id="9" name="TextBox 9">
-            <a:extLst>
-              <a:ext uri="{FF2B5EF4-FFF2-40B4-BE49-F238E27FC236}">
-                <a16:creationId xmlns:a16="http://schemas.microsoft.com/office/drawing/2014/main" id="{5A1E4FA4-E145-DBA1-D8D3-2E43DB13ADA0}"/>
-              </a:ext>
-            </a:extLst>
-          </p:cNvPr>
-          <p:cNvSpPr txBox="1"/>
-          <p:nvPr/>
-        </p:nvSpPr>
-        <p:spPr>
-          <a:xfrm>
-            <a:off x="6858000" y="513298"/>
-            <a:ext cx="3798896" cy="654025"/>
-          </a:xfrm>
-          <a:prstGeom prst="rect">
-            <a:avLst/>
-          </a:prstGeom>
-        </p:spPr>
-        <p:txBody>
-          <a:bodyPr wrap="square" lIns="0" tIns="0" rIns="0" bIns="0" rtlCol="0" anchor="t">
-            <a:spAutoFit/>
-          </a:bodyPr>
-          <a:lstStyle/>
-          <a:p>
-            <a:pPr algn="l">
-              <a:lnSpc>
-                <a:spcPts val="5076"/>
-              </a:lnSpc>
-            </a:pPr>
-            <a:r>
-              <a:rPr lang="en-US" sz="4800" b="1" spc="287" dirty="0">
-                <a:solidFill>
-                  <a:srgbClr val="0068B3"/>
-                </a:solidFill>
-                <a:latin typeface="Ubuntu Sans" pitchFamily="2" charset="0"/>
-                <a:ea typeface="Codec Pro ExtraBold"/>
-                <a:cs typeface="Codec Pro ExtraBold"/>
-                <a:sym typeface="Codec Pro ExtraBold"/>
-              </a:rPr>
-              <a:t>CONTEXTE </a:t>
-            </a:r>
-          </a:p>
-        </p:txBody>
-      </p:sp>
-      <p:sp>
-        <p:nvSpPr>
-          <p:cNvPr id="10" name="TextBox 10">
-            <a:extLst>
-              <a:ext uri="{FF2B5EF4-FFF2-40B4-BE49-F238E27FC236}">
-                <a16:creationId xmlns:a16="http://schemas.microsoft.com/office/drawing/2014/main" id="{BDF1D893-6D30-69B5-BEF3-25ABD51B06A7}"/>
-              </a:ext>
-            </a:extLst>
-          </p:cNvPr>
-          <p:cNvSpPr txBox="1"/>
-          <p:nvPr/>
-        </p:nvSpPr>
-        <p:spPr>
-          <a:xfrm>
-            <a:off x="8439056" y="1370327"/>
-            <a:ext cx="9448800" cy="6876241"/>
-          </a:xfrm>
-          <a:prstGeom prst="rect">
-            <a:avLst/>
-          </a:prstGeom>
-        </p:spPr>
-        <p:txBody>
-          <a:bodyPr wrap="square" lIns="0" tIns="0" rIns="0" bIns="0" rtlCol="0" anchor="t">
-            <a:spAutoFit/>
-          </a:bodyPr>
-          <a:lstStyle/>
-          <a:p>
-            <a:pPr algn="just">
-              <a:lnSpc>
-                <a:spcPct val="150000"/>
-              </a:lnSpc>
-            </a:pPr>
-            <a:r>
-              <a:rPr lang="fr-FR" sz="2000" b="1" spc="516" dirty="0">
-                <a:solidFill>
-                  <a:srgbClr val="000000"/>
-                </a:solidFill>
-                <a:latin typeface="Ubuntu Sans" pitchFamily="2" charset="0"/>
-                <a:ea typeface="Codec Pro ExtraBold"/>
-                <a:cs typeface="Codec Pro ExtraBold"/>
-                <a:sym typeface="Codec Pro ExtraBold"/>
-              </a:rPr>
-              <a:t>Dans un contexte où la gestion des données de santé est complexe et vulnérable aux fraudes, les systèmes actuels manquent de transparence et d'efficacité, exposant les patients à des risques, notamment la contrefaçon des médicaments. Cette dernière est particulièrement préoccupante dans les pays en développement, où environ 10 % des médicaments sont contrefaits. La blockchain, avec son registre distribué et infalsifiable, pourrait révolutionner le suivi des médicaments, renforçant ainsi la sécurité et la confiance des patients grâce à une meilleure traçabilité et à l'automatisation des vérifications de conformité. Notre étude explore ces avantages et les défis actuels du système.</a:t>
-            </a:r>
-          </a:p>
-        </p:txBody>
-      </p:sp>
-      <p:pic>
-        <p:nvPicPr>
-          <p:cNvPr id="15" name="Image 14">
-            <a:extLst>
-              <a:ext uri="{FF2B5EF4-FFF2-40B4-BE49-F238E27FC236}">
-                <a16:creationId xmlns:a16="http://schemas.microsoft.com/office/drawing/2014/main" id="{F9220C60-A6A8-3EC8-E389-CC3318DE8F18}"/>
-              </a:ext>
-            </a:extLst>
-          </p:cNvPr>
-          <p:cNvPicPr>
-            <a:picLocks noChangeAspect="1"/>
-          </p:cNvPicPr>
-          <p:nvPr/>
-        </p:nvPicPr>
-        <p:blipFill>
-          <a:blip r:embed="rId2">
-            <a:extLst>
-              <a:ext uri="{28A0092B-C50C-407E-A947-70E740481C1C}">
-                <a14:useLocalDpi xmlns:a14="http://schemas.microsoft.com/office/drawing/2010/main" val="0"/>
-              </a:ext>
-            </a:extLst>
-          </a:blip>
-          <a:stretch>
-            <a:fillRect/>
-          </a:stretch>
-        </p:blipFill>
-        <p:spPr>
-          <a:xfrm rot="9029442">
-            <a:off x="-3722724" y="-3303624"/>
-            <a:ext cx="5521301" cy="5521301"/>
-          </a:xfrm>
-          <a:prstGeom prst="rect">
-            <a:avLst/>
-          </a:prstGeom>
-        </p:spPr>
-      </p:pic>
-      <p:pic>
-        <p:nvPicPr>
-          <p:cNvPr id="3" name="Image 2">
-            <a:extLst>
-              <a:ext uri="{FF2B5EF4-FFF2-40B4-BE49-F238E27FC236}">
-                <a16:creationId xmlns:a16="http://schemas.microsoft.com/office/drawing/2014/main" id="{10C99DB3-85CE-6383-3782-1778198EAFEA}"/>
-              </a:ext>
-            </a:extLst>
-          </p:cNvPr>
-          <p:cNvPicPr>
-            <a:picLocks noChangeAspect="1"/>
-          </p:cNvPicPr>
-          <p:nvPr/>
-        </p:nvPicPr>
-        <p:blipFill>
-          <a:blip r:embed="rId3">
-            <a:extLst>
-              <a:ext uri="{28A0092B-C50C-407E-A947-70E740481C1C}">
-                <a14:useLocalDpi xmlns:a14="http://schemas.microsoft.com/office/drawing/2010/main" val="0"/>
-              </a:ext>
-            </a:extLst>
-          </a:blip>
-          <a:srcRect l="15069" r="17295"/>
-          <a:stretch/>
-        </p:blipFill>
-        <p:spPr>
-          <a:xfrm>
-            <a:off x="457200" y="1593761"/>
-            <a:ext cx="7524655" cy="6429375"/>
-          </a:xfrm>
-          <a:prstGeom prst="roundRect">
-            <a:avLst/>
-          </a:prstGeom>
-        </p:spPr>
-      </p:pic>
-      <p:sp>
-        <p:nvSpPr>
-          <p:cNvPr id="4" name="Rectangle : coins arrondis 3">
-            <a:extLst>
-              <a:ext uri="{FF2B5EF4-FFF2-40B4-BE49-F238E27FC236}">
-                <a16:creationId xmlns:a16="http://schemas.microsoft.com/office/drawing/2014/main" id="{659BCCDD-E826-FAAE-D57D-9CB5F23AC54B}"/>
-              </a:ext>
-            </a:extLst>
-          </p:cNvPr>
-          <p:cNvSpPr/>
-          <p:nvPr/>
-        </p:nvSpPr>
-        <p:spPr>
-          <a:xfrm>
-            <a:off x="439994" y="8541786"/>
-            <a:ext cx="3316282" cy="374887"/>
-          </a:xfrm>
-          <a:prstGeom prst="roundRect">
-            <a:avLst/>
-          </a:prstGeom>
-          <a:solidFill>
-            <a:srgbClr val="0068B3"/>
-          </a:solidFill>
-          <a:ln>
-            <a:solidFill>
-              <a:schemeClr val="accent1"/>
-            </a:solidFill>
-          </a:ln>
-        </p:spPr>
-        <p:style>
-          <a:lnRef idx="2">
-            <a:schemeClr val="accent1">
-              <a:shade val="15000"/>
-            </a:schemeClr>
-          </a:lnRef>
-          <a:fillRef idx="1">
-            <a:schemeClr val="accent1"/>
-          </a:fillRef>
-          <a:effectRef idx="0">
-            <a:schemeClr val="accent1"/>
-          </a:effectRef>
-          <a:fontRef idx="minor">
-            <a:schemeClr val="lt1"/>
-          </a:fontRef>
-        </p:style>
-        <p:txBody>
-          <a:bodyPr rtlCol="0" anchor="ctr"/>
-          <a:lstStyle/>
-          <a:p>
-            <a:pPr algn="ctr"/>
-            <a:r>
-              <a:rPr lang="fr-FR" b="1" dirty="0">
-                <a:latin typeface="Ubuntu Sans" pitchFamily="2" charset="0"/>
-              </a:rPr>
-              <a:t>Complexité de la gestion des données de santé</a:t>
-            </a:r>
-            <a:endParaRPr lang="LID4096" b="1" dirty="0">
-              <a:latin typeface="Ubuntu Sans" pitchFamily="2" charset="0"/>
-            </a:endParaRPr>
-          </a:p>
-        </p:txBody>
-      </p:sp>
-      <p:sp>
-        <p:nvSpPr>
-          <p:cNvPr id="5" name="Rectangle : coins arrondis 4">
-            <a:extLst>
-              <a:ext uri="{FF2B5EF4-FFF2-40B4-BE49-F238E27FC236}">
-                <a16:creationId xmlns:a16="http://schemas.microsoft.com/office/drawing/2014/main" id="{28E738F9-651C-A08F-76BF-E27C65511385}"/>
-              </a:ext>
-            </a:extLst>
-          </p:cNvPr>
-          <p:cNvSpPr/>
-          <p:nvPr/>
-        </p:nvSpPr>
-        <p:spPr>
-          <a:xfrm>
-            <a:off x="5486400" y="8541786"/>
-            <a:ext cx="3909373" cy="374887"/>
-          </a:xfrm>
-          <a:prstGeom prst="roundRect">
-            <a:avLst/>
-          </a:prstGeom>
-          <a:solidFill>
-            <a:srgbClr val="0068B3"/>
-          </a:solidFill>
-          <a:ln>
-            <a:solidFill>
-              <a:schemeClr val="accent1"/>
-            </a:solidFill>
-          </a:ln>
-        </p:spPr>
-        <p:style>
-          <a:lnRef idx="2">
-            <a:schemeClr val="accent1">
-              <a:shade val="15000"/>
-            </a:schemeClr>
-          </a:lnRef>
-          <a:fillRef idx="1">
-            <a:schemeClr val="accent1"/>
-          </a:fillRef>
-          <a:effectRef idx="0">
-            <a:schemeClr val="accent1"/>
-          </a:effectRef>
-          <a:fontRef idx="minor">
-            <a:schemeClr val="lt1"/>
-          </a:fontRef>
-        </p:style>
-        <p:txBody>
-          <a:bodyPr rtlCol="0" anchor="ctr"/>
-          <a:lstStyle/>
-          <a:p>
-            <a:pPr algn="ctr"/>
-            <a:r>
-              <a:rPr lang="fr-FR" b="1" dirty="0">
-                <a:latin typeface="Ubuntu Sans" pitchFamily="2" charset="0"/>
-              </a:rPr>
-              <a:t>Risques pour les patients</a:t>
-            </a:r>
-            <a:endParaRPr lang="LID4096" b="1" dirty="0">
-              <a:latin typeface="Ubuntu Sans" pitchFamily="2" charset="0"/>
-            </a:endParaRPr>
-          </a:p>
-        </p:txBody>
-      </p:sp>
-      <p:sp>
-        <p:nvSpPr>
-          <p:cNvPr id="6" name="Rectangle : coins arrondis 5">
-            <a:extLst>
-              <a:ext uri="{FF2B5EF4-FFF2-40B4-BE49-F238E27FC236}">
-                <a16:creationId xmlns:a16="http://schemas.microsoft.com/office/drawing/2014/main" id="{E3B0A388-4DAA-0CC0-3FA5-12CFFD9918E8}"/>
-              </a:ext>
-            </a:extLst>
-          </p:cNvPr>
-          <p:cNvSpPr/>
-          <p:nvPr/>
-        </p:nvSpPr>
-        <p:spPr>
-          <a:xfrm>
-            <a:off x="11481265" y="8476654"/>
-            <a:ext cx="2842576" cy="356003"/>
-          </a:xfrm>
-          <a:prstGeom prst="roundRect">
-            <a:avLst/>
-          </a:prstGeom>
-          <a:solidFill>
-            <a:srgbClr val="0068B3"/>
-          </a:solidFill>
-          <a:ln>
-            <a:solidFill>
-              <a:schemeClr val="accent1"/>
-            </a:solidFill>
-          </a:ln>
-        </p:spPr>
-        <p:style>
-          <a:lnRef idx="2">
-            <a:schemeClr val="accent1">
-              <a:shade val="15000"/>
-            </a:schemeClr>
-          </a:lnRef>
-          <a:fillRef idx="1">
-            <a:schemeClr val="accent1"/>
-          </a:fillRef>
-          <a:effectRef idx="0">
-            <a:schemeClr val="accent1"/>
-          </a:effectRef>
-          <a:fontRef idx="minor">
-            <a:schemeClr val="lt1"/>
-          </a:fontRef>
-        </p:style>
-        <p:txBody>
-          <a:bodyPr rtlCol="0" anchor="ctr"/>
-          <a:lstStyle/>
-          <a:p>
-            <a:pPr algn="ctr"/>
-            <a:r>
-              <a:rPr lang="fr-FR" b="1" dirty="0">
-                <a:latin typeface="Ubuntu Sans" pitchFamily="2" charset="0"/>
-              </a:rPr>
-              <a:t>Importance de la traçabilité</a:t>
-            </a:r>
-            <a:endParaRPr lang="LID4096" b="1" dirty="0">
-              <a:latin typeface="Ubuntu Sans" pitchFamily="2" charset="0"/>
-            </a:endParaRPr>
-          </a:p>
-        </p:txBody>
-      </p:sp>
-    </p:spTree>
-    <p:extLst>
-      <p:ext uri="{BB962C8B-B14F-4D97-AF65-F5344CB8AC3E}">
-        <p14:creationId xmlns:p14="http://schemas.microsoft.com/office/powerpoint/2010/main" val="4248963214"/>
-      </p:ext>
-    </p:extLst>
-  </p:cSld>
-  <p:clrMapOvr>
-    <a:masterClrMapping/>
-  </p:clrMapOvr>
-  <p:transition spd="med">
-    <p:pull/>
-  </p:transition>
 </p:sld>
 </file>
 
@@ -31456,13 +31710,13 @@
   <p:clrMapOvr>
     <a:masterClrMapping/>
   </p:clrMapOvr>
-  <mc:AlternateContent xmlns:mc="http://schemas.openxmlformats.org/markup-compatibility/2006">
-    <mc:Choice xmlns:p14="http://schemas.microsoft.com/office/powerpoint/2010/main" Requires="p14">
+  <mc:AlternateContent xmlns:mc="http://schemas.openxmlformats.org/markup-compatibility/2006" xmlns:p14="http://schemas.microsoft.com/office/powerpoint/2010/main">
+    <mc:Choice Requires="p14">
       <p:transition spd="slow" p14:dur="800">
         <p:circle/>
       </p:transition>
     </mc:Choice>
-    <mc:Fallback>
+    <mc:Fallback xmlns="">
       <p:transition spd="slow">
         <p:circle/>
       </p:transition>
@@ -31773,13 +32027,13 @@
   <p:clrMapOvr>
     <a:masterClrMapping/>
   </p:clrMapOvr>
-  <mc:AlternateContent xmlns:mc="http://schemas.openxmlformats.org/markup-compatibility/2006">
-    <mc:Choice xmlns:p14="http://schemas.microsoft.com/office/powerpoint/2010/main" Requires="p14">
+  <mc:AlternateContent xmlns:mc="http://schemas.openxmlformats.org/markup-compatibility/2006" xmlns:p14="http://schemas.microsoft.com/office/powerpoint/2010/main">
+    <mc:Choice Requires="p14">
       <p:transition spd="slow" p14:dur="800">
         <p:circle/>
       </p:transition>
     </mc:Choice>
-    <mc:Fallback>
+    <mc:Fallback xmlns="">
       <p:transition spd="slow">
         <p:circle/>
       </p:transition>
@@ -33846,13 +34100,13 @@
   <p:clrMapOvr>
     <a:masterClrMapping/>
   </p:clrMapOvr>
-  <mc:AlternateContent xmlns:mc="http://schemas.openxmlformats.org/markup-compatibility/2006">
-    <mc:Choice xmlns:p14="http://schemas.microsoft.com/office/powerpoint/2010/main" Requires="p14">
+  <mc:AlternateContent xmlns:mc="http://schemas.openxmlformats.org/markup-compatibility/2006" xmlns:p14="http://schemas.microsoft.com/office/powerpoint/2010/main">
+    <mc:Choice Requires="p14">
       <p:transition spd="slow" p14:dur="800">
         <p:circle/>
       </p:transition>
     </mc:Choice>
-    <mc:Fallback>
+    <mc:Fallback xmlns="">
       <p:transition spd="slow">
         <p:circle/>
       </p:transition>
@@ -34163,13 +34417,13 @@
   <p:clrMapOvr>
     <a:masterClrMapping/>
   </p:clrMapOvr>
-  <mc:AlternateContent xmlns:mc="http://schemas.openxmlformats.org/markup-compatibility/2006">
-    <mc:Choice xmlns:p14="http://schemas.microsoft.com/office/powerpoint/2010/main" Requires="p14">
+  <mc:AlternateContent xmlns:mc="http://schemas.openxmlformats.org/markup-compatibility/2006" xmlns:p14="http://schemas.microsoft.com/office/powerpoint/2010/main">
+    <mc:Choice Requires="p14">
       <p:transition spd="slow" p14:dur="800">
         <p:circle/>
       </p:transition>
     </mc:Choice>
-    <mc:Fallback>
+    <mc:Fallback xmlns="">
       <p:transition spd="slow">
         <p:circle/>
       </p:transition>
